--- a/11-13_SQL_Interogari - elemente de baza/12_SQL3_SELECT_Expresii si predicate.pptx
+++ b/11-13_SQL_Interogari - elemente de baza/12_SQL3_SELECT_Expresii si predicate.pptx
@@ -8874,37 +8874,6 @@
                 <a:spcPts val="0"/>
               </a:spcAft>
             </a:pPr>
-            <a:r>
-              <a:rPr lang="en-US" dirty="0"/>
-              <a:t>044 string function and operators-Complete SQL Bootcamp </a:t>
-            </a:r>
-            <a:r>
-              <a:rPr lang="en-US" dirty="0">
-                <a:cs typeface="Avenir Light"/>
-                <a:hlinkClick r:id="rId2"/>
-              </a:rPr>
-              <a:t>https://www.youtube.com/watch?v=DV6SwgoQKCQ</a:t>
-            </a:r>
-            <a:endParaRPr lang="en-US" dirty="0">
-              <a:cs typeface="Avenir Light"/>
-            </a:endParaRPr>
-          </a:p>
-          <a:p>
-            <a:pPr fontAlgn="auto">
-              <a:spcAft>
-                <a:spcPts val="0"/>
-              </a:spcAft>
-            </a:pPr>
-            <a:endParaRPr lang="en-US" dirty="0">
-              <a:cs typeface="Avenir Light"/>
-            </a:endParaRPr>
-          </a:p>
-          <a:p>
-            <a:pPr fontAlgn="auto">
-              <a:spcAft>
-                <a:spcPts val="0"/>
-              </a:spcAft>
-            </a:pPr>
             <a:endParaRPr lang="en-US" dirty="0">
               <a:cs typeface="Avenir Light"/>
             </a:endParaRPr>
@@ -10677,37 +10646,6 @@
                 <a:spcPts val="0"/>
               </a:spcAft>
             </a:pPr>
-            <a:r>
-              <a:rPr lang="en-US" dirty="0"/>
-              <a:t>042 timestamps and extract-Complete SQL Bootcamp </a:t>
-            </a:r>
-            <a:r>
-              <a:rPr lang="en-US" dirty="0">
-                <a:cs typeface="Avenir Light"/>
-                <a:hlinkClick r:id="rId2"/>
-              </a:rPr>
-              <a:t>https://www.youtube.com/watch?v=KKIqmneZEKg</a:t>
-            </a:r>
-            <a:endParaRPr lang="en-US" dirty="0">
-              <a:cs typeface="Avenir Light"/>
-            </a:endParaRPr>
-          </a:p>
-          <a:p>
-            <a:pPr fontAlgn="auto">
-              <a:spcAft>
-                <a:spcPts val="0"/>
-              </a:spcAft>
-            </a:pPr>
-            <a:endParaRPr lang="en-US" dirty="0">
-              <a:cs typeface="Avenir Light"/>
-            </a:endParaRPr>
-          </a:p>
-          <a:p>
-            <a:pPr fontAlgn="auto">
-              <a:spcAft>
-                <a:spcPts val="0"/>
-              </a:spcAft>
-            </a:pPr>
             <a:endParaRPr lang="en-US" dirty="0">
               <a:cs typeface="Avenir Light"/>
             </a:endParaRPr>
@@ -17187,7 +17125,15 @@
             <a:pPr lvl="1"/>
             <a:r>
               <a:rPr lang="ro-RO" dirty="0"/>
-              <a:t>| - pentru structuri alterative;</a:t>
+              <a:t>| - pentru </a:t>
+            </a:r>
+            <a:r>
+              <a:rPr lang="ro-RO"/>
+              <a:t>structuri alternative</a:t>
+            </a:r>
+            <a:r>
+              <a:rPr lang="ro-RO" dirty="0"/>
+              <a:t>;</a:t>
             </a:r>
             <a:endParaRPr lang="en-US" dirty="0"/>
           </a:p>
@@ -20236,21 +20182,28 @@
                 <a:latin typeface="Avenir Medium"/>
                 <a:cs typeface="Avenir Medium"/>
               </a:rPr>
-              <a:t>Care dintre clienţi au adresa specificat</a:t>
+              <a:t>Care dintre clienţi au adresa </a:t>
+            </a:r>
+            <a:r>
+              <a:rPr lang="it-IT" sz="3000" i="1" dirty="0" err="1">
+                <a:latin typeface="Avenir Medium"/>
+                <a:cs typeface="Avenir Medium"/>
+              </a:rPr>
+              <a:t>specificat</a:t>
             </a:r>
             <a:r>
               <a:rPr lang="ro-RO" sz="3000" i="1" dirty="0">
                 <a:latin typeface="Avenir Medium"/>
                 <a:cs typeface="Avenir Medium"/>
               </a:rPr>
-              <a:t>ă / cunoscută</a:t>
+              <a:t>ă/cunoscută</a:t>
             </a:r>
             <a:r>
               <a:rPr lang="it-IT" sz="3000" i="1" dirty="0">
                 <a:latin typeface="Avenir Medium"/>
                 <a:cs typeface="Avenir Medium"/>
               </a:rPr>
-              <a:t> ?</a:t>
+              <a:t>?</a:t>
             </a:r>
           </a:p>
           <a:p>
@@ -24327,44 +24280,6 @@
             </a:lvl9pPr>
             <a:extLst/>
           </a:lstStyle>
-          <a:p>
-            <a:pPr fontAlgn="auto">
-              <a:spcAft>
-                <a:spcPts val="0"/>
-              </a:spcAft>
-            </a:pPr>
-            <a:r>
-              <a:rPr lang="en-US" dirty="0"/>
-              <a:t>036 as statement-Complete SQL Bootcamp </a:t>
-            </a:r>
-            <a:r>
-              <a:rPr lang="en-US" dirty="0">
-                <a:cs typeface="Avenir Light"/>
-                <a:hlinkClick r:id="rId2"/>
-              </a:rPr>
-              <a:t>https://www.youtube.com/watch?v</a:t>
-            </a:r>
-            <a:r>
-              <a:rPr lang="en-US">
-                <a:cs typeface="Avenir Light"/>
-                <a:hlinkClick r:id="rId2"/>
-              </a:rPr>
-              <a:t>=1pEEINabMiM</a:t>
-            </a:r>
-            <a:endParaRPr lang="en-US">
-              <a:cs typeface="Avenir Light"/>
-            </a:endParaRPr>
-          </a:p>
-          <a:p>
-            <a:pPr fontAlgn="auto">
-              <a:spcAft>
-                <a:spcPts val="0"/>
-              </a:spcAft>
-            </a:pPr>
-            <a:endParaRPr lang="en-US" dirty="0">
-              <a:cs typeface="Avenir Light"/>
-            </a:endParaRPr>
-          </a:p>
           <a:p>
             <a:pPr fontAlgn="auto">
               <a:spcAft>
@@ -27296,7 +27211,7 @@
         </p:nvSpPr>
         <p:spPr>
           <a:xfrm>
-            <a:off x="0" y="1447980"/>
+            <a:off x="0" y="1461232"/>
             <a:ext cx="9144000" cy="4775200"/>
           </a:xfrm>
         </p:spPr>
@@ -28700,37 +28615,6 @@
             </a:lvl9pPr>
             <a:extLst/>
           </a:lstStyle>
-          <a:p>
-            <a:pPr fontAlgn="auto">
-              <a:spcAft>
-                <a:spcPts val="0"/>
-              </a:spcAft>
-            </a:pPr>
-            <a:r>
-              <a:rPr lang="en-US" dirty="0"/>
-              <a:t>043 mathematical functions-Complete SQL Bootcamp </a:t>
-            </a:r>
-            <a:r>
-              <a:rPr lang="en-US" dirty="0">
-                <a:cs typeface="Avenir Light"/>
-                <a:hlinkClick r:id="rId2"/>
-              </a:rPr>
-              <a:t>https://www.youtube.com/watch?v=BHpEPmr8hXg</a:t>
-            </a:r>
-            <a:endParaRPr lang="en-US" dirty="0">
-              <a:cs typeface="Avenir Light"/>
-            </a:endParaRPr>
-          </a:p>
-          <a:p>
-            <a:pPr fontAlgn="auto">
-              <a:spcAft>
-                <a:spcPts val="0"/>
-              </a:spcAft>
-            </a:pPr>
-            <a:endParaRPr lang="en-US" dirty="0">
-              <a:cs typeface="Avenir Light"/>
-            </a:endParaRPr>
-          </a:p>
           <a:p>
             <a:pPr fontAlgn="auto">
               <a:spcAft>
